--- a/Bloque 3 - Machine Learning/01_Supervisado/1-Linear Regression/ML - Linear regression.pptx
+++ b/Bloque 3 - Machine Learning/01_Supervisado/1-Linear Regression/ML - Linear regression.pptx
@@ -263,6 +263,9 @@
     </a:lvl9pPr>
   </p:defaultTextStyle>
   <p:extLst>
+    <p:ext uri="{EFAFB233-063F-42B5-8137-9DF3F51BA10A}">
+      <p15:sldGuideLst xmlns:p15="http://schemas.microsoft.com/office/powerpoint/2012/main"/>
+    </p:ext>
     <p:ext uri="http://customooxmlschemas.google.com/">
       <go:slidesCustomData xmlns:go="http://customooxmlschemas.google.com/" xmlns:ahyp="http://schemas.microsoft.com/office/drawing/2018/hyperlinkcolor" xmlns:p15="http://schemas.microsoft.com/office/powerpoint/2012/main" xmlns:p14="http://schemas.microsoft.com/office/powerpoint/2010/main" xmlns:com="http://schemas.openxmlformats.org/drawingml/2006/compatibility" xmlns:pvml="urn:schemas-microsoft-com:office:powerpoint" xmlns:v="urn:schemas-microsoft-com:vml" xmlns:o="urn:schemas-microsoft-com:office:office" xmlns:dgm="http://schemas.openxmlformats.org/drawingml/2006/diagram" xmlns:c="http://schemas.openxmlformats.org/drawingml/2006/chart" xmlns:mv="urn:schemas-microsoft-com:mac:vml" xmlns:mc="http://schemas.openxmlformats.org/markup-compatibility/2006" xmlns="" r:id="rId26" roundtripDataSignature="AMtx7mg9VY4bJtLPK/EnYiQzK7Zcwf+aBQ=="/>
     </p:ext>
@@ -11513,7 +11516,7 @@
               <a:buNone/>
             </a:pPr>
             <a:r>
-              <a:rPr lang="es-ES" sz="1800" b="0" strike="noStrike">
+              <a:rPr lang="es-ES" sz="1800" b="0" strike="noStrike" dirty="0">
                 <a:solidFill>
                   <a:schemeClr val="lt1"/>
                 </a:solidFill>
@@ -11524,7 +11527,7 @@
               </a:rPr>
               <a:t>E interpretaríamos la regresión lineal como:</a:t>
             </a:r>
-            <a:endParaRPr sz="1800" b="0" strike="noStrike">
+            <a:endParaRPr sz="1800" b="0" strike="noStrike" dirty="0">
               <a:solidFill>
                 <a:schemeClr val="lt1"/>
               </a:solidFill>
@@ -11547,7 +11550,7 @@
               </a:spcAft>
               <a:buNone/>
             </a:pPr>
-            <a:endParaRPr sz="1800" b="0" strike="noStrike">
+            <a:endParaRPr sz="1800" b="0" strike="noStrike" dirty="0">
               <a:solidFill>
                 <a:schemeClr val="lt1"/>
               </a:solidFill>
@@ -11571,7 +11574,7 @@
               <a:buNone/>
             </a:pPr>
             <a:r>
-              <a:rPr lang="es-ES" sz="1800" b="0" strike="noStrike">
+              <a:rPr lang="es-ES" sz="1800" b="0" strike="noStrike" dirty="0">
                 <a:solidFill>
                   <a:schemeClr val="lt1"/>
                 </a:solidFill>
@@ -11582,7 +11585,7 @@
               </a:rPr>
               <a:t>y = w1*x1 + w2*x2 + w3*x3 + w4*x4 + w5*x5</a:t>
             </a:r>
-            <a:endParaRPr sz="1800" b="0" strike="noStrike">
+            <a:endParaRPr sz="1800" b="0" strike="noStrike" dirty="0">
               <a:solidFill>
                 <a:schemeClr val="lt1"/>
               </a:solidFill>
@@ -11605,7 +11608,7 @@
               </a:spcAft>
               <a:buNone/>
             </a:pPr>
-            <a:endParaRPr sz="1800" b="0" strike="noStrike">
+            <a:endParaRPr sz="1800" b="0" strike="noStrike" dirty="0">
               <a:solidFill>
                 <a:schemeClr val="lt1"/>
               </a:solidFill>
@@ -11629,7 +11632,7 @@
               <a:buNone/>
             </a:pPr>
             <a:r>
-              <a:rPr lang="es-ES" sz="1800" b="0" strike="noStrike">
+              <a:rPr lang="es-ES" sz="1800" b="0" strike="noStrike" dirty="0">
                 <a:solidFill>
                   <a:schemeClr val="lt1"/>
                 </a:solidFill>
@@ -11638,9 +11641,129 @@
                 <a:cs typeface="Arial"/>
                 <a:sym typeface="Arial"/>
               </a:rPr>
-              <a:t>Precio casas = 20.9 * (Avg. Area Income) + 158094.41 * (Avg. Area House Age)…..</a:t>
+              <a:t>Precio casas = 20.9 * (</a:t>
             </a:r>
-            <a:endParaRPr sz="1800" b="0" strike="noStrike">
+            <a:r>
+              <a:rPr lang="es-ES" sz="1800" b="0" strike="noStrike" dirty="0" err="1">
+                <a:solidFill>
+                  <a:schemeClr val="lt1"/>
+                </a:solidFill>
+                <a:latin typeface="Arial"/>
+                <a:ea typeface="Arial"/>
+                <a:cs typeface="Arial"/>
+                <a:sym typeface="Arial"/>
+              </a:rPr>
+              <a:t>Avg</a:t>
+            </a:r>
+            <a:r>
+              <a:rPr lang="es-ES" sz="1800" b="0" strike="noStrike" dirty="0">
+                <a:solidFill>
+                  <a:schemeClr val="lt1"/>
+                </a:solidFill>
+                <a:latin typeface="Arial"/>
+                <a:ea typeface="Arial"/>
+                <a:cs typeface="Arial"/>
+                <a:sym typeface="Arial"/>
+              </a:rPr>
+              <a:t>. </a:t>
+            </a:r>
+            <a:r>
+              <a:rPr lang="es-ES" sz="1800" b="0" strike="noStrike" dirty="0" err="1">
+                <a:solidFill>
+                  <a:schemeClr val="lt1"/>
+                </a:solidFill>
+                <a:latin typeface="Arial"/>
+                <a:ea typeface="Arial"/>
+                <a:cs typeface="Arial"/>
+                <a:sym typeface="Arial"/>
+              </a:rPr>
+              <a:t>Area</a:t>
+            </a:r>
+            <a:r>
+              <a:rPr lang="es-ES" sz="1800" b="0" strike="noStrike" dirty="0">
+                <a:solidFill>
+                  <a:schemeClr val="lt1"/>
+                </a:solidFill>
+                <a:latin typeface="Arial"/>
+                <a:ea typeface="Arial"/>
+                <a:cs typeface="Arial"/>
+                <a:sym typeface="Arial"/>
+              </a:rPr>
+              <a:t> </a:t>
+            </a:r>
+            <a:r>
+              <a:rPr lang="es-ES" sz="1800" b="0" strike="noStrike" dirty="0" err="1">
+                <a:solidFill>
+                  <a:schemeClr val="lt1"/>
+                </a:solidFill>
+                <a:latin typeface="Arial"/>
+                <a:ea typeface="Arial"/>
+                <a:cs typeface="Arial"/>
+                <a:sym typeface="Arial"/>
+              </a:rPr>
+              <a:t>Income</a:t>
+            </a:r>
+            <a:r>
+              <a:rPr lang="es-ES" sz="1800" b="0" strike="noStrike" dirty="0">
+                <a:solidFill>
+                  <a:schemeClr val="lt1"/>
+                </a:solidFill>
+                <a:latin typeface="Arial"/>
+                <a:ea typeface="Arial"/>
+                <a:cs typeface="Arial"/>
+                <a:sym typeface="Arial"/>
+              </a:rPr>
+              <a:t>) + 158094.41 * (</a:t>
+            </a:r>
+            <a:r>
+              <a:rPr lang="es-ES" sz="1800" b="0" strike="noStrike" dirty="0" err="1">
+                <a:solidFill>
+                  <a:schemeClr val="lt1"/>
+                </a:solidFill>
+                <a:latin typeface="Arial"/>
+                <a:ea typeface="Arial"/>
+                <a:cs typeface="Arial"/>
+                <a:sym typeface="Arial"/>
+              </a:rPr>
+              <a:t>Avg</a:t>
+            </a:r>
+            <a:r>
+              <a:rPr lang="es-ES" sz="1800" b="0" strike="noStrike" dirty="0">
+                <a:solidFill>
+                  <a:schemeClr val="lt1"/>
+                </a:solidFill>
+                <a:latin typeface="Arial"/>
+                <a:ea typeface="Arial"/>
+                <a:cs typeface="Arial"/>
+                <a:sym typeface="Arial"/>
+              </a:rPr>
+              <a:t>. </a:t>
+            </a:r>
+            <a:r>
+              <a:rPr lang="es-ES" sz="1800" b="0" strike="noStrike" dirty="0" err="1">
+                <a:solidFill>
+                  <a:schemeClr val="lt1"/>
+                </a:solidFill>
+                <a:latin typeface="Arial"/>
+                <a:ea typeface="Arial"/>
+                <a:cs typeface="Arial"/>
+                <a:sym typeface="Arial"/>
+              </a:rPr>
+              <a:t>Area</a:t>
+            </a:r>
+            <a:r>
+              <a:rPr lang="es-ES" sz="1800" b="0" strike="noStrike" dirty="0">
+                <a:solidFill>
+                  <a:schemeClr val="lt1"/>
+                </a:solidFill>
+                <a:latin typeface="Arial"/>
+                <a:ea typeface="Arial"/>
+                <a:cs typeface="Arial"/>
+                <a:sym typeface="Arial"/>
+              </a:rPr>
+              <a:t> House Age)…..</a:t>
+            </a:r>
+            <a:endParaRPr sz="1800" b="0" strike="noStrike" dirty="0">
               <a:solidFill>
                 <a:schemeClr val="lt1"/>
               </a:solidFill>
@@ -11663,7 +11786,7 @@
               </a:spcAft>
               <a:buNone/>
             </a:pPr>
-            <a:endParaRPr sz="1800" b="0" strike="noStrike">
+            <a:endParaRPr sz="1800" b="0" strike="noStrike" dirty="0">
               <a:solidFill>
                 <a:schemeClr val="lt1"/>
               </a:solidFill>
@@ -11687,7 +11810,7 @@
               <a:buNone/>
             </a:pPr>
             <a:r>
-              <a:rPr lang="es-ES" sz="1800" b="1" strike="noStrike">
+              <a:rPr lang="es-ES" sz="1800" b="1" strike="noStrike" dirty="0">
                 <a:solidFill>
                   <a:schemeClr val="lt1"/>
                 </a:solidFill>
@@ -11699,7 +11822,7 @@
               <a:t>¿Cómo se interpreta esto?</a:t>
             </a:r>
             <a:r>
-              <a:rPr lang="es-ES" sz="1800" b="0" strike="noStrike">
+              <a:rPr lang="es-ES" sz="1800" b="0" strike="noStrike" dirty="0">
                 <a:solidFill>
                   <a:schemeClr val="lt1"/>
                 </a:solidFill>
@@ -11711,7 +11834,7 @@
               <a:t> Por cada unidad de </a:t>
             </a:r>
             <a:r>
-              <a:rPr lang="es-ES" sz="1800" b="0" i="1" strike="noStrike">
+              <a:rPr lang="es-ES" sz="1800" b="0" i="1" strike="noStrike" dirty="0" err="1">
                 <a:solidFill>
                   <a:schemeClr val="lt1"/>
                 </a:solidFill>
@@ -11720,10 +11843,58 @@
                 <a:cs typeface="Arial"/>
                 <a:sym typeface="Arial"/>
               </a:rPr>
-              <a:t>Avg. Area Income</a:t>
+              <a:t>Avg</a:t>
             </a:r>
             <a:r>
-              <a:rPr lang="es-ES" sz="1800" b="0" strike="noStrike">
+              <a:rPr lang="es-ES" sz="1800" b="0" i="1" strike="noStrike" dirty="0">
+                <a:solidFill>
+                  <a:schemeClr val="lt1"/>
+                </a:solidFill>
+                <a:latin typeface="Arial"/>
+                <a:ea typeface="Arial"/>
+                <a:cs typeface="Arial"/>
+                <a:sym typeface="Arial"/>
+              </a:rPr>
+              <a:t>. </a:t>
+            </a:r>
+            <a:r>
+              <a:rPr lang="es-ES" sz="1800" b="0" i="1" strike="noStrike" dirty="0" err="1">
+                <a:solidFill>
+                  <a:schemeClr val="lt1"/>
+                </a:solidFill>
+                <a:latin typeface="Arial"/>
+                <a:ea typeface="Arial"/>
+                <a:cs typeface="Arial"/>
+                <a:sym typeface="Arial"/>
+              </a:rPr>
+              <a:t>Area</a:t>
+            </a:r>
+            <a:r>
+              <a:rPr lang="es-ES" sz="1800" b="0" i="1" strike="noStrike" dirty="0">
+                <a:solidFill>
+                  <a:schemeClr val="lt1"/>
+                </a:solidFill>
+                <a:latin typeface="Arial"/>
+                <a:ea typeface="Arial"/>
+                <a:cs typeface="Arial"/>
+                <a:sym typeface="Arial"/>
+              </a:rPr>
+              <a:t> </a:t>
+            </a:r>
+            <a:r>
+              <a:rPr lang="es-ES" sz="1800" b="0" i="1" strike="noStrike" dirty="0" err="1">
+                <a:solidFill>
+                  <a:schemeClr val="lt1"/>
+                </a:solidFill>
+                <a:latin typeface="Arial"/>
+                <a:ea typeface="Arial"/>
+                <a:cs typeface="Arial"/>
+                <a:sym typeface="Arial"/>
+              </a:rPr>
+              <a:t>Income</a:t>
+            </a:r>
+            <a:r>
+              <a:rPr lang="es-ES" sz="1800" b="0" strike="noStrike" dirty="0">
                 <a:solidFill>
                   <a:schemeClr val="lt1"/>
                 </a:solidFill>
@@ -11734,7 +11905,7 @@
               </a:rPr>
               <a:t>, aumenta 20.9 el precio </a:t>
             </a:r>
-            <a:endParaRPr sz="1800" b="0" strike="noStrike">
+            <a:endParaRPr sz="1800" b="0" strike="noStrike" dirty="0">
               <a:solidFill>
                 <a:schemeClr val="lt1"/>
               </a:solidFill>
@@ -13322,8 +13493,8 @@
           </a:ln>
         </p:spPr>
       </p:pic>
-      <mc:AlternateContent xmlns:mc="http://schemas.openxmlformats.org/markup-compatibility/2006">
-        <mc:Choice xmlns:a14="http://schemas.microsoft.com/office/drawing/2010/main" Requires="a14">
+      <mc:AlternateContent xmlns:mc="http://schemas.openxmlformats.org/markup-compatibility/2006" xmlns:a14="http://schemas.microsoft.com/office/drawing/2010/main">
+        <mc:Choice Requires="a14">
           <p:sp>
             <p:nvSpPr>
               <p:cNvPr id="2" name="Rectángulo 1">
@@ -13576,7 +13747,7 @@
             </p:txBody>
           </p:sp>
         </mc:Choice>
-        <mc:Fallback>
+        <mc:Fallback xmlns="">
           <p:sp>
             <p:nvSpPr>
               <p:cNvPr id="2" name="Rectángulo 1">
@@ -14487,7 +14658,7 @@
               <a:buChar char="•"/>
             </a:pPr>
             <a:r>
-              <a:rPr lang="es-ES" sz="2000" b="0" i="1" u="sng" strike="noStrike">
+              <a:rPr lang="es-ES" sz="2000" b="0" i="1" u="sng" strike="noStrike" dirty="0">
                 <a:solidFill>
                   <a:srgbClr val="FFFFFF"/>
                 </a:solidFill>
@@ -14499,7 +14670,7 @@
               <a:t>Objetivo</a:t>
             </a:r>
             <a:r>
-              <a:rPr lang="es-ES" sz="2000" b="0" strike="noStrike">
+              <a:rPr lang="es-ES" sz="2000" b="0" strike="noStrike" dirty="0">
                 <a:solidFill>
                   <a:srgbClr val="FFFFFF"/>
                 </a:solidFill>
@@ -14510,7 +14681,7 @@
               </a:rPr>
               <a:t>: encontrar la relación lineal entre todas las variables del problema.  Encontrar ‘a’ y ‘b’.</a:t>
             </a:r>
-            <a:endParaRPr sz="2000" b="0" strike="noStrike">
+            <a:endParaRPr sz="2000" b="0" strike="noStrike" dirty="0">
               <a:latin typeface="Arial"/>
               <a:ea typeface="Arial"/>
               <a:cs typeface="Arial"/>
@@ -14530,7 +14701,7 @@
               </a:spcAft>
               <a:buNone/>
             </a:pPr>
-            <a:endParaRPr sz="2000" b="0" strike="noStrike">
+            <a:endParaRPr sz="2000" b="0" strike="noStrike" dirty="0">
               <a:latin typeface="Arial"/>
               <a:ea typeface="Arial"/>
               <a:cs typeface="Arial"/>
@@ -14556,7 +14727,7 @@
               <a:buChar char="•"/>
             </a:pPr>
             <a:r>
-              <a:rPr lang="es-ES" sz="2000" b="0" strike="noStrike">
+              <a:rPr lang="es-ES" sz="2000" b="0" strike="noStrike" dirty="0">
                 <a:solidFill>
                   <a:srgbClr val="FFFFFF"/>
                 </a:solidFill>
@@ -14567,7 +14738,7 @@
               </a:rPr>
               <a:t>El valor añadido es poder predecir valores inexistentes. </a:t>
             </a:r>
-            <a:endParaRPr sz="2000" b="0" strike="noStrike">
+            <a:endParaRPr sz="2000" b="0" strike="noStrike" dirty="0">
               <a:latin typeface="Arial"/>
               <a:ea typeface="Arial"/>
               <a:cs typeface="Arial"/>
@@ -14587,7 +14758,7 @@
               </a:spcAft>
               <a:buNone/>
             </a:pPr>
-            <a:endParaRPr sz="2000" b="0" strike="noStrike">
+            <a:endParaRPr sz="2000" b="0" strike="noStrike" dirty="0">
               <a:latin typeface="Arial"/>
               <a:ea typeface="Arial"/>
               <a:cs typeface="Arial"/>
@@ -14613,7 +14784,7 @@
               <a:buChar char="•"/>
             </a:pPr>
             <a:r>
-              <a:rPr lang="es-ES" sz="2000" b="0" strike="noStrike">
+              <a:rPr lang="es-ES" sz="2000" b="0" strike="noStrike" dirty="0">
                 <a:solidFill>
                   <a:srgbClr val="FFFFFF"/>
                 </a:solidFill>
@@ -14624,7 +14795,7 @@
               </a:rPr>
               <a:t>Tiene ciertas limitaciones. Un ejemplo, datos no lineales. </a:t>
             </a:r>
-            <a:endParaRPr sz="2000" b="0" strike="noStrike">
+            <a:endParaRPr sz="2000" b="0" strike="noStrike" dirty="0">
               <a:latin typeface="Arial"/>
               <a:ea typeface="Arial"/>
               <a:cs typeface="Arial"/>
@@ -14644,7 +14815,7 @@
               </a:spcAft>
               <a:buNone/>
             </a:pPr>
-            <a:endParaRPr sz="2000" b="0" strike="noStrike">
+            <a:endParaRPr sz="2000" b="0" strike="noStrike" dirty="0">
               <a:latin typeface="Arial"/>
               <a:ea typeface="Arial"/>
               <a:cs typeface="Arial"/>
@@ -14670,7 +14841,7 @@
               <a:buChar char="•"/>
             </a:pPr>
             <a:r>
-              <a:rPr lang="es-ES" sz="2000" b="0" strike="noStrike">
+              <a:rPr lang="es-ES" sz="2000" b="0" strike="noStrike" dirty="0">
                 <a:solidFill>
                   <a:srgbClr val="FFFFFF"/>
                 </a:solidFill>
@@ -14681,7 +14852,7 @@
               </a:rPr>
               <a:t>Se genera un error global que es la distancia entre todos los datos y nuestro modelo (línea, plano, hiperplano). </a:t>
             </a:r>
-            <a:endParaRPr sz="2000" b="0" strike="noStrike">
+            <a:endParaRPr sz="2000" b="0" strike="noStrike" dirty="0">
               <a:latin typeface="Arial"/>
               <a:ea typeface="Arial"/>
               <a:cs typeface="Arial"/>
